--- a/PPT_Presentation/Final_Case_Study_Presentation.pptx
+++ b/PPT_Presentation/Final_Case_Study_Presentation.pptx
@@ -192,7 +192,7 @@
             </a:lvl1pPr>
           </a:lstStyle>
           <a:p>
-            <a:endParaRPr lang="en-US"/>
+            <a:endParaRPr lang="en-US" dirty="0"/>
           </a:p>
         </p:txBody>
       </p:sp>
@@ -227,7 +227,7 @@
               <a:rPr lang="en-US" smtClean="0"/>
               <a:t>3/16/22</a:t>
             </a:fld>
-            <a:endParaRPr lang="en-US"/>
+            <a:endParaRPr lang="en-US" dirty="0"/>
           </a:p>
         </p:txBody>
       </p:sp>
@@ -258,7 +258,7 @@
             </a:lvl1pPr>
           </a:lstStyle>
           <a:p>
-            <a:endParaRPr lang="en-US"/>
+            <a:endParaRPr lang="en-US" dirty="0"/>
           </a:p>
         </p:txBody>
       </p:sp>
@@ -293,7 +293,7 @@
               <a:rPr lang="en-US" smtClean="0"/>
               <a:t>‹#›</a:t>
             </a:fld>
-            <a:endParaRPr lang="en-US"/>
+            <a:endParaRPr lang="en-US" dirty="0"/>
           </a:p>
         </p:txBody>
       </p:sp>
@@ -358,7 +358,7 @@
             </a:lvl1pPr>
           </a:lstStyle>
           <a:p>
-            <a:endParaRPr lang="en-US"/>
+            <a:endParaRPr lang="en-US" dirty="0"/>
           </a:p>
         </p:txBody>
       </p:sp>
@@ -393,7 +393,7 @@
               <a:rPr lang="en-US" smtClean="0"/>
               <a:t>3/16/22</a:t>
             </a:fld>
-            <a:endParaRPr lang="en-US"/>
+            <a:endParaRPr lang="en-US" dirty="0"/>
           </a:p>
         </p:txBody>
       </p:sp>
@@ -426,7 +426,7 @@
           <a:bodyPr vert="horz" lIns="91440" tIns="45720" rIns="91440" bIns="45720" rtlCol="0" anchor="ctr"/>
           <a:lstStyle/>
           <a:p>
-            <a:endParaRPr lang="en-US"/>
+            <a:endParaRPr lang="en-US" dirty="0"/>
           </a:p>
         </p:txBody>
       </p:sp>
@@ -516,7 +516,7 @@
             </a:lvl1pPr>
           </a:lstStyle>
           <a:p>
-            <a:endParaRPr lang="en-US"/>
+            <a:endParaRPr lang="en-US" dirty="0"/>
           </a:p>
         </p:txBody>
       </p:sp>
@@ -551,7 +551,7 @@
               <a:rPr lang="en-US" smtClean="0"/>
               <a:t>‹#›</a:t>
             </a:fld>
-            <a:endParaRPr lang="en-US"/>
+            <a:endParaRPr lang="en-US" dirty="0"/>
           </a:p>
         </p:txBody>
       </p:sp>
@@ -703,7 +703,7 @@
           <a:bodyPr/>
           <a:lstStyle/>
           <a:p>
-            <a:endParaRPr lang="en-US"/>
+            <a:endParaRPr lang="en-US" dirty="0"/>
           </a:p>
         </p:txBody>
       </p:sp>
@@ -726,7 +726,7 @@
               <a:rPr lang="en-US" smtClean="0"/>
               <a:t>1</a:t>
             </a:fld>
-            <a:endParaRPr lang="en-US"/>
+            <a:endParaRPr lang="en-US" dirty="0"/>
           </a:p>
         </p:txBody>
       </p:sp>
@@ -788,30 +788,22 @@
           <a:lstStyle/>
           <a:p>
             <a:r>
-              <a:rPr lang="en-US"/>
+              <a:rPr lang="en-US" dirty="0"/>
               <a:t>Used</a:t>
             </a:r>
             <a:r>
-              <a:rPr lang="en-US" baseline="0"/>
+              <a:rPr lang="en-US" baseline="0" dirty="0"/>
               <a:t> p-value of </a:t>
             </a:r>
             <a:r>
-              <a:rPr lang="en-US"/>
+              <a:rPr lang="en-US" dirty="0"/>
               <a:t>0.0017</a:t>
             </a:r>
             <a:r>
-              <a:rPr lang="en-US" baseline="0"/>
-              <a:t> </a:t>
-            </a:r>
-            <a:r>
               <a:rPr lang="en-US" baseline="0" dirty="0"/>
-              <a:t>to account for </a:t>
-            </a:r>
-            <a:r>
-              <a:rPr lang="en-US" baseline="0"/>
-              <a:t>simultaneous comparisons</a:t>
-            </a:r>
-            <a:endParaRPr lang="en-US"/>
+              <a:t> to account for simultaneous comparisons</a:t>
+            </a:r>
+            <a:endParaRPr lang="en-US" dirty="0"/>
           </a:p>
         </p:txBody>
       </p:sp>
@@ -834,7 +826,7 @@
               <a:rPr lang="en-US" smtClean="0"/>
               <a:t>13</a:t>
             </a:fld>
-            <a:endParaRPr lang="en-US"/>
+            <a:endParaRPr lang="en-US" dirty="0"/>
           </a:p>
         </p:txBody>
       </p:sp>
@@ -896,30 +888,22 @@
           <a:lstStyle/>
           <a:p>
             <a:r>
-              <a:rPr lang="en-US"/>
+              <a:rPr lang="en-US" dirty="0"/>
               <a:t>Used</a:t>
             </a:r>
             <a:r>
-              <a:rPr lang="en-US" baseline="0"/>
+              <a:rPr lang="en-US" baseline="0" dirty="0"/>
               <a:t> p-value of </a:t>
             </a:r>
             <a:r>
-              <a:rPr lang="en-US"/>
+              <a:rPr lang="en-US" dirty="0"/>
               <a:t>0.0017</a:t>
             </a:r>
             <a:r>
-              <a:rPr lang="en-US" baseline="0"/>
-              <a:t> </a:t>
-            </a:r>
-            <a:r>
               <a:rPr lang="en-US" baseline="0" dirty="0"/>
-              <a:t>to account for </a:t>
-            </a:r>
-            <a:r>
-              <a:rPr lang="en-US" baseline="0"/>
-              <a:t>simultaneous comparisons</a:t>
-            </a:r>
-            <a:endParaRPr lang="en-US"/>
+              <a:t> to account for simultaneous comparisons</a:t>
+            </a:r>
+            <a:endParaRPr lang="en-US" dirty="0"/>
           </a:p>
         </p:txBody>
       </p:sp>
@@ -942,7 +926,7 @@
               <a:rPr lang="en-US" smtClean="0"/>
               <a:t>14</a:t>
             </a:fld>
-            <a:endParaRPr lang="en-US"/>
+            <a:endParaRPr lang="en-US" dirty="0"/>
           </a:p>
         </p:txBody>
       </p:sp>
@@ -1004,30 +988,22 @@
           <a:lstStyle/>
           <a:p>
             <a:r>
-              <a:rPr lang="en-US"/>
+              <a:rPr lang="en-US" dirty="0"/>
               <a:t>Used</a:t>
             </a:r>
             <a:r>
-              <a:rPr lang="en-US" baseline="0"/>
+              <a:rPr lang="en-US" baseline="0" dirty="0"/>
               <a:t> p-value of </a:t>
             </a:r>
             <a:r>
-              <a:rPr lang="en-US"/>
+              <a:rPr lang="en-US" dirty="0"/>
               <a:t>0.0017</a:t>
             </a:r>
             <a:r>
-              <a:rPr lang="en-US" baseline="0"/>
-              <a:t> </a:t>
-            </a:r>
-            <a:r>
               <a:rPr lang="en-US" baseline="0" dirty="0"/>
-              <a:t>to account for </a:t>
-            </a:r>
-            <a:r>
-              <a:rPr lang="en-US" baseline="0"/>
-              <a:t>simultaneous comparisons</a:t>
-            </a:r>
-            <a:endParaRPr lang="en-US"/>
+              <a:t> to account for simultaneous comparisons</a:t>
+            </a:r>
+            <a:endParaRPr lang="en-US" dirty="0"/>
           </a:p>
         </p:txBody>
       </p:sp>
@@ -1050,7 +1026,7 @@
               <a:rPr lang="en-US" smtClean="0"/>
               <a:t>15</a:t>
             </a:fld>
-            <a:endParaRPr lang="en-US"/>
+            <a:endParaRPr lang="en-US" dirty="0"/>
           </a:p>
         </p:txBody>
       </p:sp>
@@ -1112,30 +1088,22 @@
           <a:lstStyle/>
           <a:p>
             <a:r>
-              <a:rPr lang="en-US"/>
+              <a:rPr lang="en-US" dirty="0"/>
               <a:t>Used</a:t>
             </a:r>
             <a:r>
-              <a:rPr lang="en-US" baseline="0"/>
+              <a:rPr lang="en-US" baseline="0" dirty="0"/>
               <a:t> p-value of </a:t>
             </a:r>
             <a:r>
-              <a:rPr lang="en-US"/>
+              <a:rPr lang="en-US" dirty="0"/>
               <a:t>0.0017</a:t>
             </a:r>
             <a:r>
-              <a:rPr lang="en-US" baseline="0"/>
-              <a:t> </a:t>
-            </a:r>
-            <a:r>
               <a:rPr lang="en-US" baseline="0" dirty="0"/>
-              <a:t>to account for </a:t>
-            </a:r>
-            <a:r>
-              <a:rPr lang="en-US" baseline="0"/>
-              <a:t>simultaneous comparisons</a:t>
-            </a:r>
-            <a:endParaRPr lang="en-US"/>
+              <a:t> to account for simultaneous comparisons</a:t>
+            </a:r>
+            <a:endParaRPr lang="en-US" dirty="0"/>
           </a:p>
         </p:txBody>
       </p:sp>
@@ -1158,7 +1126,7 @@
               <a:rPr lang="en-US" smtClean="0"/>
               <a:t>5</a:t>
             </a:fld>
-            <a:endParaRPr lang="en-US"/>
+            <a:endParaRPr lang="en-US" dirty="0"/>
           </a:p>
         </p:txBody>
       </p:sp>
@@ -1258,7 +1226,7 @@
               <a:rPr lang="en-US" smtClean="0"/>
               <a:t>6</a:t>
             </a:fld>
-            <a:endParaRPr lang="en-US"/>
+            <a:endParaRPr lang="en-US" dirty="0"/>
           </a:p>
         </p:txBody>
       </p:sp>
@@ -1320,30 +1288,22 @@
           <a:lstStyle/>
           <a:p>
             <a:r>
-              <a:rPr lang="en-US"/>
+              <a:rPr lang="en-US" dirty="0"/>
               <a:t>Used</a:t>
             </a:r>
             <a:r>
-              <a:rPr lang="en-US" baseline="0"/>
+              <a:rPr lang="en-US" baseline="0" dirty="0"/>
               <a:t> p-value of </a:t>
             </a:r>
             <a:r>
-              <a:rPr lang="en-US"/>
+              <a:rPr lang="en-US" dirty="0"/>
               <a:t>0.0017</a:t>
             </a:r>
             <a:r>
-              <a:rPr lang="en-US" baseline="0"/>
-              <a:t> </a:t>
-            </a:r>
-            <a:r>
               <a:rPr lang="en-US" baseline="0" dirty="0"/>
-              <a:t>to account for </a:t>
-            </a:r>
-            <a:r>
-              <a:rPr lang="en-US" baseline="0"/>
-              <a:t>simultaneous comparisons</a:t>
-            </a:r>
-            <a:endParaRPr lang="en-US"/>
+              <a:t> to account for simultaneous comparisons</a:t>
+            </a:r>
+            <a:endParaRPr lang="en-US" dirty="0"/>
           </a:p>
         </p:txBody>
       </p:sp>
@@ -1366,7 +1326,7 @@
               <a:rPr lang="en-US" smtClean="0"/>
               <a:t>7</a:t>
             </a:fld>
-            <a:endParaRPr lang="en-US"/>
+            <a:endParaRPr lang="en-US" dirty="0"/>
           </a:p>
         </p:txBody>
       </p:sp>
@@ -1428,30 +1388,22 @@
           <a:lstStyle/>
           <a:p>
             <a:r>
-              <a:rPr lang="en-US"/>
+              <a:rPr lang="en-US" dirty="0"/>
               <a:t>Used</a:t>
             </a:r>
             <a:r>
-              <a:rPr lang="en-US" baseline="0"/>
+              <a:rPr lang="en-US" baseline="0" dirty="0"/>
               <a:t> p-value of </a:t>
             </a:r>
             <a:r>
-              <a:rPr lang="en-US"/>
+              <a:rPr lang="en-US" dirty="0"/>
               <a:t>0.0017</a:t>
             </a:r>
             <a:r>
-              <a:rPr lang="en-US" baseline="0"/>
-              <a:t> </a:t>
-            </a:r>
-            <a:r>
               <a:rPr lang="en-US" baseline="0" dirty="0"/>
-              <a:t>to account for </a:t>
-            </a:r>
-            <a:r>
-              <a:rPr lang="en-US" baseline="0"/>
-              <a:t>simultaneous comparisons</a:t>
-            </a:r>
-            <a:endParaRPr lang="en-US"/>
+              <a:t> to account for simultaneous comparisons</a:t>
+            </a:r>
+            <a:endParaRPr lang="en-US" dirty="0"/>
           </a:p>
         </p:txBody>
       </p:sp>
@@ -1474,7 +1426,7 @@
               <a:rPr lang="en-US" smtClean="0"/>
               <a:t>8</a:t>
             </a:fld>
-            <a:endParaRPr lang="en-US"/>
+            <a:endParaRPr lang="en-US" dirty="0"/>
           </a:p>
         </p:txBody>
       </p:sp>
@@ -1536,30 +1488,22 @@
           <a:lstStyle/>
           <a:p>
             <a:r>
-              <a:rPr lang="en-US"/>
+              <a:rPr lang="en-US" dirty="0"/>
               <a:t>Used</a:t>
             </a:r>
             <a:r>
-              <a:rPr lang="en-US" baseline="0"/>
+              <a:rPr lang="en-US" baseline="0" dirty="0"/>
               <a:t> p-value of </a:t>
             </a:r>
             <a:r>
-              <a:rPr lang="en-US"/>
+              <a:rPr lang="en-US" dirty="0"/>
               <a:t>0.0017</a:t>
             </a:r>
             <a:r>
-              <a:rPr lang="en-US" baseline="0"/>
-              <a:t> </a:t>
-            </a:r>
-            <a:r>
               <a:rPr lang="en-US" baseline="0" dirty="0"/>
-              <a:t>to account for </a:t>
-            </a:r>
-            <a:r>
-              <a:rPr lang="en-US" baseline="0"/>
-              <a:t>simultaneous comparisons</a:t>
-            </a:r>
-            <a:endParaRPr lang="en-US"/>
+              <a:t> to account for simultaneous comparisons</a:t>
+            </a:r>
+            <a:endParaRPr lang="en-US" dirty="0"/>
           </a:p>
         </p:txBody>
       </p:sp>
@@ -1582,7 +1526,7 @@
               <a:rPr lang="en-US" smtClean="0"/>
               <a:t>9</a:t>
             </a:fld>
-            <a:endParaRPr lang="en-US"/>
+            <a:endParaRPr lang="en-US" dirty="0"/>
           </a:p>
         </p:txBody>
       </p:sp>
@@ -1644,30 +1588,22 @@
           <a:lstStyle/>
           <a:p>
             <a:r>
-              <a:rPr lang="en-US"/>
+              <a:rPr lang="en-US" dirty="0"/>
               <a:t>Used</a:t>
             </a:r>
             <a:r>
-              <a:rPr lang="en-US" baseline="0"/>
+              <a:rPr lang="en-US" baseline="0" dirty="0"/>
               <a:t> p-value of </a:t>
             </a:r>
             <a:r>
-              <a:rPr lang="en-US"/>
+              <a:rPr lang="en-US" dirty="0"/>
               <a:t>0.0017</a:t>
             </a:r>
             <a:r>
-              <a:rPr lang="en-US" baseline="0"/>
-              <a:t> </a:t>
-            </a:r>
-            <a:r>
               <a:rPr lang="en-US" baseline="0" dirty="0"/>
-              <a:t>to account for </a:t>
-            </a:r>
-            <a:r>
-              <a:rPr lang="en-US" baseline="0"/>
-              <a:t>simultaneous comparisons</a:t>
-            </a:r>
-            <a:endParaRPr lang="en-US"/>
+              <a:t> to account for simultaneous comparisons</a:t>
+            </a:r>
+            <a:endParaRPr lang="en-US" dirty="0"/>
           </a:p>
         </p:txBody>
       </p:sp>
@@ -1690,7 +1626,7 @@
               <a:rPr lang="en-US" smtClean="0"/>
               <a:t>10</a:t>
             </a:fld>
-            <a:endParaRPr lang="en-US"/>
+            <a:endParaRPr lang="en-US" dirty="0"/>
           </a:p>
         </p:txBody>
       </p:sp>
@@ -1752,30 +1688,22 @@
           <a:lstStyle/>
           <a:p>
             <a:r>
-              <a:rPr lang="en-US"/>
+              <a:rPr lang="en-US" dirty="0"/>
               <a:t>Used</a:t>
             </a:r>
             <a:r>
-              <a:rPr lang="en-US" baseline="0"/>
+              <a:rPr lang="en-US" baseline="0" dirty="0"/>
               <a:t> p-value of </a:t>
             </a:r>
             <a:r>
-              <a:rPr lang="en-US"/>
+              <a:rPr lang="en-US" dirty="0"/>
               <a:t>0.0017</a:t>
             </a:r>
             <a:r>
-              <a:rPr lang="en-US" baseline="0"/>
-              <a:t> </a:t>
-            </a:r>
-            <a:r>
               <a:rPr lang="en-US" baseline="0" dirty="0"/>
-              <a:t>to account for </a:t>
-            </a:r>
-            <a:r>
-              <a:rPr lang="en-US" baseline="0"/>
-              <a:t>simultaneous comparisons</a:t>
-            </a:r>
-            <a:endParaRPr lang="en-US"/>
+              <a:t> to account for simultaneous comparisons</a:t>
+            </a:r>
+            <a:endParaRPr lang="en-US" dirty="0"/>
           </a:p>
         </p:txBody>
       </p:sp>
@@ -1798,7 +1726,7 @@
               <a:rPr lang="en-US" smtClean="0"/>
               <a:t>11</a:t>
             </a:fld>
-            <a:endParaRPr lang="en-US"/>
+            <a:endParaRPr lang="en-US" dirty="0"/>
           </a:p>
         </p:txBody>
       </p:sp>
@@ -1860,30 +1788,22 @@
           <a:lstStyle/>
           <a:p>
             <a:r>
-              <a:rPr lang="en-US"/>
+              <a:rPr lang="en-US" dirty="0"/>
               <a:t>Used</a:t>
             </a:r>
             <a:r>
-              <a:rPr lang="en-US" baseline="0"/>
+              <a:rPr lang="en-US" baseline="0" dirty="0"/>
               <a:t> p-value of </a:t>
             </a:r>
             <a:r>
-              <a:rPr lang="en-US"/>
+              <a:rPr lang="en-US" dirty="0"/>
               <a:t>0.0017</a:t>
             </a:r>
             <a:r>
-              <a:rPr lang="en-US" baseline="0"/>
-              <a:t> </a:t>
-            </a:r>
-            <a:r>
               <a:rPr lang="en-US" baseline="0" dirty="0"/>
-              <a:t>to account for </a:t>
-            </a:r>
-            <a:r>
-              <a:rPr lang="en-US" baseline="0"/>
-              <a:t>simultaneous comparisons</a:t>
-            </a:r>
-            <a:endParaRPr lang="en-US"/>
+              <a:t> to account for simultaneous comparisons</a:t>
+            </a:r>
+            <a:endParaRPr lang="en-US" dirty="0"/>
           </a:p>
         </p:txBody>
       </p:sp>
@@ -1906,7 +1826,7 @@
               <a:rPr lang="en-US" smtClean="0"/>
               <a:t>12</a:t>
             </a:fld>
-            <a:endParaRPr lang="en-US"/>
+            <a:endParaRPr lang="en-US" dirty="0"/>
           </a:p>
         </p:txBody>
       </p:sp>
@@ -2161,10 +2081,9 @@
           <a:lstStyle/>
           <a:p>
             <a:r>
-              <a:rPr lang="en-US"/>
+              <a:rPr lang="en-US" dirty="0"/>
               <a:t>Footer Text</a:t>
             </a:r>
-            <a:endParaRPr lang="en-US" dirty="0"/>
           </a:p>
         </p:txBody>
       </p:sp>
@@ -2286,7 +2205,7 @@
               <a:rPr lang="en-US" smtClean="0"/>
               <a:t>3/16/22</a:t>
             </a:fld>
-            <a:endParaRPr lang="en-US"/>
+            <a:endParaRPr lang="en-US" dirty="0"/>
           </a:p>
         </p:txBody>
       </p:sp>
@@ -2306,7 +2225,7 @@
           <a:lstStyle/>
           <a:p>
             <a:r>
-              <a:rPr lang="en-US"/>
+              <a:rPr lang="en-US" dirty="0"/>
               <a:t>Footer Text</a:t>
             </a:r>
           </a:p>
@@ -2332,7 +2251,7 @@
               <a:pPr/>
               <a:t>‹#›</a:t>
             </a:fld>
-            <a:endParaRPr lang="en-US"/>
+            <a:endParaRPr lang="en-US" dirty="0"/>
           </a:p>
         </p:txBody>
       </p:sp>
@@ -2464,7 +2383,7 @@
               <a:rPr lang="en-US" smtClean="0"/>
               <a:t>3/16/22</a:t>
             </a:fld>
-            <a:endParaRPr lang="en-US"/>
+            <a:endParaRPr lang="en-US" dirty="0"/>
           </a:p>
         </p:txBody>
       </p:sp>
@@ -2484,7 +2403,7 @@
           <a:lstStyle/>
           <a:p>
             <a:r>
-              <a:rPr lang="en-US"/>
+              <a:rPr lang="en-US" dirty="0"/>
               <a:t>Footer Text</a:t>
             </a:r>
           </a:p>
@@ -2510,7 +2429,7 @@
               <a:pPr/>
               <a:t>‹#›</a:t>
             </a:fld>
-            <a:endParaRPr lang="en-US"/>
+            <a:endParaRPr lang="en-US" dirty="0"/>
           </a:p>
         </p:txBody>
       </p:sp>
@@ -2651,7 +2570,7 @@
               <a:rPr lang="en-US" smtClean="0"/>
               <a:t>3/16/22</a:t>
             </a:fld>
-            <a:endParaRPr lang="en-US"/>
+            <a:endParaRPr lang="en-US" dirty="0"/>
           </a:p>
         </p:txBody>
       </p:sp>
@@ -2671,7 +2590,7 @@
           <a:lstStyle/>
           <a:p>
             <a:r>
-              <a:rPr lang="en-US"/>
+              <a:rPr lang="en-US" dirty="0"/>
               <a:t>Footer Text</a:t>
             </a:r>
           </a:p>
@@ -2697,7 +2616,7 @@
               <a:pPr/>
               <a:t>‹#›</a:t>
             </a:fld>
-            <a:endParaRPr lang="en-US"/>
+            <a:endParaRPr lang="en-US" dirty="0"/>
           </a:p>
         </p:txBody>
       </p:sp>
@@ -2917,7 +2836,7 @@
               <a:rPr lang="en-US" smtClean="0"/>
               <a:t>3/16/22</a:t>
             </a:fld>
-            <a:endParaRPr lang="en-US"/>
+            <a:endParaRPr lang="en-US" dirty="0"/>
           </a:p>
         </p:txBody>
       </p:sp>
@@ -2937,7 +2856,7 @@
           <a:lstStyle/>
           <a:p>
             <a:r>
-              <a:rPr lang="en-US"/>
+              <a:rPr lang="en-US" dirty="0"/>
               <a:t>Footer Text</a:t>
             </a:r>
           </a:p>
@@ -2963,7 +2882,7 @@
               <a:pPr/>
               <a:t>‹#›</a:t>
             </a:fld>
-            <a:endParaRPr lang="en-US"/>
+            <a:endParaRPr lang="en-US" dirty="0"/>
           </a:p>
         </p:txBody>
       </p:sp>
@@ -3013,7 +2932,7 @@
           <a:lstStyle/>
           <a:p>
             <a:pPr algn="ctr"/>
-            <a:endParaRPr lang="en-US"/>
+            <a:endParaRPr lang="en-US" dirty="0"/>
           </a:p>
         </p:txBody>
       </p:sp>
@@ -3063,7 +2982,7 @@
           <a:lstStyle/>
           <a:p>
             <a:pPr algn="ctr"/>
-            <a:endParaRPr lang="en-US"/>
+            <a:endParaRPr lang="en-US" dirty="0"/>
           </a:p>
         </p:txBody>
       </p:sp>
@@ -3113,7 +3032,7 @@
           <a:lstStyle/>
           <a:p>
             <a:pPr algn="ctr"/>
-            <a:endParaRPr lang="en-US"/>
+            <a:endParaRPr lang="en-US" dirty="0"/>
           </a:p>
         </p:txBody>
       </p:sp>
@@ -3268,7 +3187,7 @@
               <a:rPr lang="en-US" smtClean="0"/>
               <a:t>3/16/22</a:t>
             </a:fld>
-            <a:endParaRPr lang="en-US"/>
+            <a:endParaRPr lang="en-US" dirty="0"/>
           </a:p>
         </p:txBody>
       </p:sp>
@@ -3288,7 +3207,7 @@
           <a:lstStyle/>
           <a:p>
             <a:r>
-              <a:rPr lang="en-US"/>
+              <a:rPr lang="en-US" dirty="0"/>
               <a:t>Footer Text</a:t>
             </a:r>
           </a:p>
@@ -3314,7 +3233,7 @@
               <a:pPr/>
               <a:t>‹#›</a:t>
             </a:fld>
-            <a:endParaRPr lang="en-US"/>
+            <a:endParaRPr lang="en-US" dirty="0"/>
           </a:p>
         </p:txBody>
       </p:sp>
@@ -3578,7 +3497,7 @@
               <a:rPr lang="en-US" smtClean="0"/>
               <a:t>3/16/22</a:t>
             </a:fld>
-            <a:endParaRPr lang="en-US"/>
+            <a:endParaRPr lang="en-US" dirty="0"/>
           </a:p>
         </p:txBody>
       </p:sp>
@@ -3598,7 +3517,7 @@
           <a:lstStyle/>
           <a:p>
             <a:r>
-              <a:rPr lang="en-US"/>
+              <a:rPr lang="en-US" dirty="0"/>
               <a:t>Footer Text</a:t>
             </a:r>
           </a:p>
@@ -3624,7 +3543,7 @@
               <a:pPr/>
               <a:t>‹#›</a:t>
             </a:fld>
-            <a:endParaRPr lang="en-US"/>
+            <a:endParaRPr lang="en-US" dirty="0"/>
           </a:p>
         </p:txBody>
       </p:sp>
@@ -3809,7 +3728,7 @@
               <a:rPr lang="en-US" smtClean="0"/>
               <a:t>3/16/22</a:t>
             </a:fld>
-            <a:endParaRPr lang="en-US"/>
+            <a:endParaRPr lang="en-US" dirty="0"/>
           </a:p>
         </p:txBody>
       </p:sp>
@@ -3829,7 +3748,7 @@
           <a:lstStyle/>
           <a:p>
             <a:r>
-              <a:rPr lang="en-US"/>
+              <a:rPr lang="en-US" dirty="0"/>
               <a:t>Footer Text</a:t>
             </a:r>
           </a:p>
@@ -3855,7 +3774,7 @@
               <a:pPr/>
               <a:t>‹#›</a:t>
             </a:fld>
-            <a:endParaRPr lang="en-US"/>
+            <a:endParaRPr lang="en-US" dirty="0"/>
           </a:p>
         </p:txBody>
       </p:sp>
@@ -3903,7 +3822,7 @@
               <a:rPr lang="en-US" smtClean="0"/>
               <a:t>3/16/22</a:t>
             </a:fld>
-            <a:endParaRPr lang="en-US"/>
+            <a:endParaRPr lang="en-US" dirty="0"/>
           </a:p>
         </p:txBody>
       </p:sp>
@@ -3923,7 +3842,7 @@
           <a:lstStyle/>
           <a:p>
             <a:r>
-              <a:rPr lang="en-US"/>
+              <a:rPr lang="en-US" dirty="0"/>
               <a:t>Footer Text</a:t>
             </a:r>
           </a:p>
@@ -3949,7 +3868,7 @@
               <a:pPr/>
               <a:t>‹#›</a:t>
             </a:fld>
-            <a:endParaRPr lang="en-US"/>
+            <a:endParaRPr lang="en-US" dirty="0"/>
           </a:p>
         </p:txBody>
       </p:sp>
@@ -4195,7 +4114,7 @@
               <a:rPr lang="en-US" smtClean="0"/>
               <a:t>3/16/22</a:t>
             </a:fld>
-            <a:endParaRPr lang="en-US"/>
+            <a:endParaRPr lang="en-US" dirty="0"/>
           </a:p>
         </p:txBody>
       </p:sp>
@@ -4215,7 +4134,7 @@
           <a:lstStyle/>
           <a:p>
             <a:r>
-              <a:rPr lang="en-US"/>
+              <a:rPr lang="en-US" dirty="0"/>
               <a:t>Footer Text</a:t>
             </a:r>
           </a:p>
@@ -4241,7 +4160,7 @@
               <a:pPr/>
               <a:t>‹#›</a:t>
             </a:fld>
-            <a:endParaRPr lang="en-US"/>
+            <a:endParaRPr lang="en-US" dirty="0"/>
           </a:p>
         </p:txBody>
       </p:sp>
@@ -4375,10 +4294,9 @@
           </a:lstStyle>
           <a:p>
             <a:r>
-              <a:rPr lang="en-US"/>
+              <a:rPr lang="en-US" dirty="0"/>
               <a:t>Drag picture to placeholder or click icon to add</a:t>
             </a:r>
-            <a:endParaRPr lang="en-US" dirty="0"/>
           </a:p>
         </p:txBody>
       </p:sp>
@@ -4468,7 +4386,7 @@
               <a:rPr lang="en-US" smtClean="0"/>
               <a:t>3/16/22</a:t>
             </a:fld>
-            <a:endParaRPr lang="en-US"/>
+            <a:endParaRPr lang="en-US" dirty="0"/>
           </a:p>
         </p:txBody>
       </p:sp>
@@ -4488,7 +4406,7 @@
           <a:lstStyle/>
           <a:p>
             <a:r>
-              <a:rPr lang="en-US"/>
+              <a:rPr lang="en-US" dirty="0"/>
               <a:t>Footer Text</a:t>
             </a:r>
           </a:p>
@@ -4514,7 +4432,7 @@
               <a:pPr/>
               <a:t>‹#›</a:t>
             </a:fld>
-            <a:endParaRPr lang="en-US"/>
+            <a:endParaRPr lang="en-US" dirty="0"/>
           </a:p>
         </p:txBody>
       </p:sp>
@@ -4722,10 +4640,9 @@
           </a:lstStyle>
           <a:p>
             <a:r>
-              <a:rPr lang="en-US"/>
+              <a:rPr lang="en-US" dirty="0"/>
               <a:t>Footer Text</a:t>
             </a:r>
-            <a:endParaRPr lang="en-US" dirty="0"/>
           </a:p>
         </p:txBody>
       </p:sp>
@@ -4819,7 +4736,7 @@
           <a:lstStyle/>
           <a:p>
             <a:pPr marL="0" algn="ctr" defTabSz="914400" rtl="0" eaLnBrk="1" latinLnBrk="0" hangingPunct="1"/>
-            <a:endParaRPr lang="en-US" sz="1800" kern="1200">
+            <a:endParaRPr lang="en-US" sz="1800" kern="1200" dirty="0">
               <a:solidFill>
                 <a:schemeClr val="lt1"/>
               </a:solidFill>
@@ -4876,7 +4793,7 @@
           <a:lstStyle/>
           <a:p>
             <a:pPr algn="ctr"/>
-            <a:endParaRPr lang="en-US"/>
+            <a:endParaRPr lang="en-US" dirty="0"/>
           </a:p>
         </p:txBody>
       </p:sp>
@@ -5465,7 +5382,7 @@
               <a:pPr/>
               <a:t>10</a:t>
             </a:fld>
-            <a:endParaRPr lang="en-US"/>
+            <a:endParaRPr lang="en-US" dirty="0"/>
           </a:p>
         </p:txBody>
       </p:sp>
@@ -5672,7 +5589,7 @@
               <a:pPr/>
               <a:t>11</a:t>
             </a:fld>
-            <a:endParaRPr lang="en-US"/>
+            <a:endParaRPr lang="en-US" dirty="0"/>
           </a:p>
         </p:txBody>
       </p:sp>
@@ -5818,7 +5735,7 @@
             </a:pPr>
             <a:r>
               <a:rPr lang="en-US" sz="1400" dirty="0"/>
-              <a:t>Next we use Chi-Squared Test to see if there are any interactions with Job Role would make sense to test:</a:t>
+              <a:t>Next, we use Chi-Squared Test to see if there are any interactions with Job Role would make sense to test:</a:t>
             </a:r>
           </a:p>
           <a:p>
@@ -5873,7 +5790,7 @@
               <a:pPr/>
               <a:t>12</a:t>
             </a:fld>
-            <a:endParaRPr lang="en-US"/>
+            <a:endParaRPr lang="en-US" dirty="0"/>
           </a:p>
         </p:txBody>
       </p:sp>
@@ -6072,7 +5989,7 @@
               <a:pPr/>
               <a:t>13</a:t>
             </a:fld>
-            <a:endParaRPr lang="en-US"/>
+            <a:endParaRPr lang="en-US" dirty="0"/>
           </a:p>
         </p:txBody>
       </p:sp>
@@ -6298,29 +6215,13 @@
           <a:p>
             <a:r>
               <a:rPr lang="en-US" sz="1400" dirty="0"/>
-              <a:t>Log(</a:t>
-            </a:r>
-            <a:r>
-              <a:rPr lang="en-US" sz="1400" dirty="0" err="1"/>
-              <a:t>JobLevel</a:t>
-            </a:r>
+              <a:t>Log(JobLevel)^2</a:t>
+            </a:r>
+          </a:p>
+          <a:p>
             <a:r>
               <a:rPr lang="en-US" sz="1400" dirty="0"/>
-              <a:t>)^2</a:t>
-            </a:r>
-          </a:p>
-          <a:p>
-            <a:r>
-              <a:rPr lang="en-US" sz="1400" dirty="0"/>
-              <a:t>Log(</a:t>
-            </a:r>
-            <a:r>
-              <a:rPr lang="en-US" sz="1400" dirty="0" err="1"/>
-              <a:t>JobLevel</a:t>
-            </a:r>
-            <a:r>
-              <a:rPr lang="en-US" sz="1400" dirty="0"/>
-              <a:t>)</a:t>
+              <a:t>Log(JobLevel)</a:t>
             </a:r>
           </a:p>
           <a:p>
@@ -6331,10 +6232,9 @@
           </a:p>
           <a:p>
             <a:r>
-              <a:rPr lang="en-US" sz="1400" dirty="0" err="1"/>
+              <a:rPr lang="en-US" sz="1400" dirty="0"/>
               <a:t>TotalWorkingYears</a:t>
             </a:r>
-            <a:endParaRPr lang="en-US" sz="1400" dirty="0"/>
           </a:p>
           <a:p>
             <a:r>
@@ -6344,12 +6244,8 @@
           </a:p>
           <a:p>
             <a:r>
-              <a:rPr lang="en-US" sz="1400" dirty="0" err="1"/>
-              <a:t>TotalWorkingYears</a:t>
-            </a:r>
-            <a:r>
               <a:rPr lang="en-US" sz="1400" dirty="0"/>
-              <a:t>*JobRole</a:t>
+              <a:t>TotalWorkingYears*JobRole</a:t>
             </a:r>
           </a:p>
           <a:p>
@@ -6548,7 +6444,7 @@
               <a:pPr/>
               <a:t>14</a:t>
             </a:fld>
-            <a:endParaRPr lang="en-US"/>
+            <a:endParaRPr lang="en-US" dirty="0"/>
           </a:p>
         </p:txBody>
       </p:sp>
@@ -6768,63 +6664,32 @@
             </a:pPr>
             <a:r>
               <a:rPr lang="en-US" sz="1400" dirty="0"/>
-              <a:t>Next Steps:</a:t>
-            </a:r>
-          </a:p>
-          <a:p>
-            <a:pPr marL="285750" indent="-285750">
-              <a:buFont typeface="Arial"/>
-              <a:buChar char="•"/>
-            </a:pPr>
+              <a:t>MLR Assumption Check:</a:t>
+            </a:r>
+          </a:p>
+          <a:p>
             <a:r>
               <a:rPr lang="en-US" sz="1400" dirty="0"/>
-              <a:t>Predict test values calculated based on model</a:t>
-            </a:r>
-          </a:p>
-          <a:p>
-            <a:pPr marL="285750" indent="-285750">
-              <a:buFont typeface="Arial"/>
-              <a:buChar char="•"/>
-            </a:pPr>
+              <a:t>Independence of observations</a:t>
+            </a:r>
+          </a:p>
+          <a:p>
             <a:r>
               <a:rPr lang="en-US" sz="1400" dirty="0"/>
-              <a:t>Predicted values stored in file named Case2PredictionsStewartSalary.csv in </a:t>
-            </a:r>
-            <a:r>
-              <a:rPr lang="en-US" sz="1400" dirty="0" err="1"/>
-              <a:t>GitHub</a:t>
-            </a:r>
-            <a:endParaRPr lang="en-US" sz="1400" dirty="0"/>
-          </a:p>
-          <a:p>
-            <a:pPr marL="285750" indent="-285750">
-              <a:buFont typeface="Arial"/>
-              <a:buChar char="•"/>
-            </a:pPr>
+              <a:t>Residuals have approximately constant variance and normality</a:t>
+            </a:r>
+          </a:p>
+          <a:p>
             <a:r>
               <a:rPr lang="en-US" sz="1400" dirty="0"/>
-              <a:t>Link to repository:</a:t>
-            </a:r>
-          </a:p>
-          <a:p>
-            <a:pPr marL="1028700" lvl="1">
-              <a:buFont typeface="Arial"/>
-              <a:buChar char="•"/>
-            </a:pPr>
-            <a:r>
-              <a:rPr lang="en-US" sz="1400" dirty="0">
-                <a:hlinkClick r:id="rId4"/>
-              </a:rPr>
-              <a:t>https://github.com/C-Stewart-GH/CaseStudy2DDS</a:t>
-            </a:r>
-            <a:endParaRPr lang="en-US" sz="1400" dirty="0"/>
-          </a:p>
-          <a:p>
-            <a:pPr marL="0" indent="0">
-              <a:buFont typeface="Arial" pitchFamily="34" charset="0"/>
-              <a:buNone/>
-            </a:pPr>
-            <a:endParaRPr lang="en-US" sz="1400" dirty="0"/>
+              <a:t>No clear outliers</a:t>
+            </a:r>
+          </a:p>
+          <a:p>
+            <a:r>
+              <a:rPr lang="en-US" sz="1400" dirty="0"/>
+              <a:t>Linear relationship between response and features</a:t>
+            </a:r>
           </a:p>
           <a:p>
             <a:pPr marL="0" indent="0">
@@ -6940,7 +6805,7 @@
               <a:pPr/>
               <a:t>15</a:t>
             </a:fld>
-            <a:endParaRPr lang="en-US"/>
+            <a:endParaRPr lang="en-US" dirty="0"/>
           </a:p>
         </p:txBody>
       </p:sp>
@@ -7072,7 +6937,7 @@
         <p:spPr/>
         <p:txBody>
           <a:bodyPr>
-            <a:normAutofit fontScale="70000" lnSpcReduction="20000"/>
+            <a:normAutofit fontScale="77500" lnSpcReduction="20000"/>
           </a:bodyPr>
           <a:lstStyle/>
           <a:p>
@@ -7237,7 +7102,7 @@
               <a:pPr/>
               <a:t>2</a:t>
             </a:fld>
-            <a:endParaRPr lang="en-US"/>
+            <a:endParaRPr lang="en-US" dirty="0"/>
           </a:p>
         </p:txBody>
       </p:sp>
@@ -7363,7 +7228,7 @@
               <a:pPr/>
               <a:t>3</a:t>
             </a:fld>
-            <a:endParaRPr lang="en-US"/>
+            <a:endParaRPr lang="en-US" dirty="0"/>
           </a:p>
         </p:txBody>
       </p:sp>
@@ -7513,7 +7378,7 @@
               <a:pPr/>
               <a:t>4</a:t>
             </a:fld>
-            <a:endParaRPr lang="en-US"/>
+            <a:endParaRPr lang="en-US" dirty="0"/>
           </a:p>
         </p:txBody>
       </p:sp>
@@ -7720,7 +7585,7 @@
               <a:pPr/>
               <a:t>5</a:t>
             </a:fld>
-            <a:endParaRPr lang="en-US"/>
+            <a:endParaRPr lang="en-US" dirty="0"/>
           </a:p>
         </p:txBody>
       </p:sp>
@@ -7882,7 +7747,7 @@
               <a:pPr/>
               <a:t>6</a:t>
             </a:fld>
-            <a:endParaRPr lang="en-US"/>
+            <a:endParaRPr lang="en-US" dirty="0"/>
           </a:p>
         </p:txBody>
       </p:sp>
@@ -8444,7 +8309,7 @@
               <a:pPr/>
               <a:t>7</a:t>
             </a:fld>
-            <a:endParaRPr lang="en-US"/>
+            <a:endParaRPr lang="en-US" dirty="0"/>
           </a:p>
         </p:txBody>
       </p:sp>
@@ -8837,7 +8702,7 @@
               <a:pPr/>
               <a:t>8</a:t>
             </a:fld>
-            <a:endParaRPr lang="en-US"/>
+            <a:endParaRPr lang="en-US" dirty="0"/>
           </a:p>
         </p:txBody>
       </p:sp>
@@ -9231,7 +9096,7 @@
               <a:pPr/>
               <a:t>9</a:t>
             </a:fld>
-            <a:endParaRPr lang="en-US"/>
+            <a:endParaRPr lang="en-US" dirty="0"/>
           </a:p>
         </p:txBody>
       </p:sp>
